--- a/EntragableFinal/PPT-patrone.pptx
+++ b/EntragableFinal/PPT-patrone.pptx
@@ -19,9 +19,10 @@
     <p:sldId id="270" r:id="rId13"/>
     <p:sldId id="271" r:id="rId14"/>
     <p:sldId id="272" r:id="rId15"/>
-    <p:sldId id="266" r:id="rId16"/>
-    <p:sldId id="267" r:id="rId17"/>
-    <p:sldId id="268" r:id="rId18"/>
+    <p:sldId id="273" r:id="rId16"/>
+    <p:sldId id="266" r:id="rId17"/>
+    <p:sldId id="267" r:id="rId18"/>
+    <p:sldId id="268" r:id="rId19"/>
   </p:sldIdLst>
   <p:sldSz cx="9144000" cy="6858000" type="screen4x3"/>
   <p:notesSz cx="6858000" cy="9144000"/>
@@ -5639,7 +5640,13 @@
       </p:grpSpPr>
       <p:sp>
         <p:nvSpPr>
-          <p:cNvPr id="2" name="1 Título"/>
+          <p:cNvPr id="2" name="Título 1">
+            <a:extLst>
+              <a:ext uri="{FF2B5EF4-FFF2-40B4-BE49-F238E27FC236}">
+                <a16:creationId xmlns:a16="http://schemas.microsoft.com/office/drawing/2014/main" id="{49C18241-68EF-4161-9F3C-C62EED36DC70}"/>
+              </a:ext>
+            </a:extLst>
+          </p:cNvPr>
           <p:cNvSpPr>
             <a:spLocks noGrp="1"/>
           </p:cNvSpPr>
@@ -5649,33 +5656,33 @@
         </p:nvSpPr>
         <p:spPr/>
         <p:txBody>
-          <a:bodyPr>
-            <a:normAutofit fontScale="90000"/>
-          </a:bodyPr>
+          <a:bodyPr/>
           <a:lstStyle/>
           <a:p>
             <a:r>
               <a:rPr lang="es-PE" dirty="0"/>
-              <a:t>Prototipos </a:t>
-            </a:r>
-            <a:br>
-              <a:rPr lang="es-PE" dirty="0"/>
-            </a:br>
-            <a:endParaRPr lang="es-PE" dirty="0"/>
+              <a:t>Diagrama de secuencias</a:t>
+            </a:r>
           </a:p>
         </p:txBody>
       </p:sp>
       <p:pic>
         <p:nvPicPr>
-          <p:cNvPr id="4" name="3 Marcador de contenido" descr="C:\Users\PABLO\AppData\Local\Microsoft\Windows\INetCache\Content.Word\confirmacion de pago con tarjeta.png"/>
+          <p:cNvPr id="5" name="Marcador de contenido 4">
+            <a:extLst>
+              <a:ext uri="{FF2B5EF4-FFF2-40B4-BE49-F238E27FC236}">
+                <a16:creationId xmlns:a16="http://schemas.microsoft.com/office/drawing/2014/main" id="{96A5D06A-D2B7-419D-BF0A-B2CA14E15FAE}"/>
+              </a:ext>
+            </a:extLst>
+          </p:cNvPr>
           <p:cNvPicPr>
-            <a:picLocks noGrp="1"/>
+            <a:picLocks noGrp="1" noChangeAspect="1"/>
           </p:cNvPicPr>
           <p:nvPr>
             <p:ph idx="1"/>
           </p:nvPr>
         </p:nvPicPr>
-        <p:blipFill>
+        <p:blipFill rotWithShape="1">
           <a:blip r:embed="rId2">
             <a:extLst>
               <a:ext uri="{28A0092B-C50C-407E-A947-70E740481C1C}">
@@ -5683,91 +5690,20 @@
               </a:ext>
             </a:extLst>
           </a:blip>
-          <a:srcRect/>
-          <a:stretch>
-            <a:fillRect/>
-          </a:stretch>
+          <a:srcRect b="47671"/>
+          <a:stretch/>
         </p:blipFill>
-        <p:spPr bwMode="auto">
-          <a:xfrm>
-            <a:off x="971600" y="1484784"/>
-            <a:ext cx="2070861" cy="3603625"/>
-          </a:xfrm>
-          <a:prstGeom prst="rect">
-            <a:avLst/>
-          </a:prstGeom>
-          <a:noFill/>
-          <a:ln>
-            <a:noFill/>
-          </a:ln>
-        </p:spPr>
-      </p:pic>
-      <p:pic>
-        <p:nvPicPr>
-          <p:cNvPr id="6" name="5 Imagen" descr="C:\Users\PABLO\AppData\Local\Microsoft\Windows\INetCache\Content.Word\pago con tarjeta.png"/>
-          <p:cNvPicPr/>
-          <p:nvPr/>
-        </p:nvPicPr>
-        <p:blipFill>
-          <a:blip r:embed="rId3">
-            <a:extLst>
-              <a:ext uri="{28A0092B-C50C-407E-A947-70E740481C1C}">
-                <a14:useLocalDpi xmlns:a14="http://schemas.microsoft.com/office/drawing/2010/main" val="0"/>
-              </a:ext>
-            </a:extLst>
-          </a:blip>
-          <a:srcRect/>
-          <a:stretch>
-            <a:fillRect/>
-          </a:stretch>
-        </p:blipFill>
-        <p:spPr bwMode="auto">
-          <a:xfrm>
-            <a:off x="3308914" y="1628800"/>
-            <a:ext cx="2475865" cy="3096344"/>
-          </a:xfrm>
-          <a:prstGeom prst="rect">
-            <a:avLst/>
-          </a:prstGeom>
-          <a:noFill/>
-          <a:ln>
-            <a:noFill/>
-          </a:ln>
-        </p:spPr>
-      </p:pic>
-      <p:sp>
-        <p:nvSpPr>
-          <p:cNvPr id="7" name="6 CuadroTexto"/>
-          <p:cNvSpPr txBox="1"/>
-          <p:nvPr/>
-        </p:nvSpPr>
         <p:spPr>
           <a:xfrm>
-            <a:off x="6084168" y="1412776"/>
-            <a:ext cx="1440160" cy="4247317"/>
-          </a:xfrm>
-          <a:prstGeom prst="rect">
-            <a:avLst/>
-          </a:prstGeom>
-          <a:noFill/>
-        </p:spPr>
-        <p:txBody>
-          <a:bodyPr wrap="square" rtlCol="0">
-            <a:spAutoFit/>
-          </a:bodyPr>
-          <a:lstStyle/>
-          <a:p>
-            <a:r>
-              <a:rPr lang="es-PE" dirty="0"/>
-              <a:t>Estos prototipos muestran el avance que  tendríamos sobre las ventas y el pago , el interfaz que manejaría para la buena interacción con el usuario.</a:t>
-            </a:r>
-          </a:p>
-        </p:txBody>
-      </p:sp>
+            <a:off x="1317153" y="2420888"/>
+            <a:ext cx="6520983" cy="2677839"/>
+          </a:xfrm>
+        </p:spPr>
+      </p:pic>
     </p:spTree>
     <p:extLst>
       <p:ext uri="{BB962C8B-B14F-4D97-AF65-F5344CB8AC3E}">
-        <p14:creationId xmlns:p14="http://schemas.microsoft.com/office/powerpoint/2010/main" val="3037437231"/>
+        <p14:creationId xmlns:p14="http://schemas.microsoft.com/office/powerpoint/2010/main" val="2781060178"/>
       </p:ext>
     </p:extLst>
   </p:cSld>
@@ -5813,6 +5749,163 @@
           <a:p>
             <a:r>
               <a:rPr lang="es-PE" dirty="0"/>
+              <a:t>Prototipos </a:t>
+            </a:r>
+            <a:br>
+              <a:rPr lang="es-PE" dirty="0"/>
+            </a:br>
+            <a:endParaRPr lang="es-PE" dirty="0"/>
+          </a:p>
+        </p:txBody>
+      </p:sp>
+      <p:pic>
+        <p:nvPicPr>
+          <p:cNvPr id="4" name="3 Marcador de contenido" descr="C:\Users\PABLO\AppData\Local\Microsoft\Windows\INetCache\Content.Word\confirmacion de pago con tarjeta.png"/>
+          <p:cNvPicPr>
+            <a:picLocks noGrp="1"/>
+          </p:cNvPicPr>
+          <p:nvPr>
+            <p:ph idx="1"/>
+          </p:nvPr>
+        </p:nvPicPr>
+        <p:blipFill>
+          <a:blip r:embed="rId2">
+            <a:extLst>
+              <a:ext uri="{28A0092B-C50C-407E-A947-70E740481C1C}">
+                <a14:useLocalDpi xmlns:a14="http://schemas.microsoft.com/office/drawing/2010/main" val="0"/>
+              </a:ext>
+            </a:extLst>
+          </a:blip>
+          <a:srcRect/>
+          <a:stretch>
+            <a:fillRect/>
+          </a:stretch>
+        </p:blipFill>
+        <p:spPr bwMode="auto">
+          <a:xfrm>
+            <a:off x="971600" y="1484784"/>
+            <a:ext cx="2070861" cy="3603625"/>
+          </a:xfrm>
+          <a:prstGeom prst="rect">
+            <a:avLst/>
+          </a:prstGeom>
+          <a:noFill/>
+          <a:ln>
+            <a:noFill/>
+          </a:ln>
+        </p:spPr>
+      </p:pic>
+      <p:pic>
+        <p:nvPicPr>
+          <p:cNvPr id="6" name="5 Imagen" descr="C:\Users\PABLO\AppData\Local\Microsoft\Windows\INetCache\Content.Word\pago con tarjeta.png"/>
+          <p:cNvPicPr/>
+          <p:nvPr/>
+        </p:nvPicPr>
+        <p:blipFill>
+          <a:blip r:embed="rId3">
+            <a:extLst>
+              <a:ext uri="{28A0092B-C50C-407E-A947-70E740481C1C}">
+                <a14:useLocalDpi xmlns:a14="http://schemas.microsoft.com/office/drawing/2010/main" val="0"/>
+              </a:ext>
+            </a:extLst>
+          </a:blip>
+          <a:srcRect/>
+          <a:stretch>
+            <a:fillRect/>
+          </a:stretch>
+        </p:blipFill>
+        <p:spPr bwMode="auto">
+          <a:xfrm>
+            <a:off x="3308914" y="1628800"/>
+            <a:ext cx="2475865" cy="3096344"/>
+          </a:xfrm>
+          <a:prstGeom prst="rect">
+            <a:avLst/>
+          </a:prstGeom>
+          <a:noFill/>
+          <a:ln>
+            <a:noFill/>
+          </a:ln>
+        </p:spPr>
+      </p:pic>
+      <p:sp>
+        <p:nvSpPr>
+          <p:cNvPr id="7" name="6 CuadroTexto"/>
+          <p:cNvSpPr txBox="1"/>
+          <p:nvPr/>
+        </p:nvSpPr>
+        <p:spPr>
+          <a:xfrm>
+            <a:off x="6084168" y="1412776"/>
+            <a:ext cx="1440160" cy="4247317"/>
+          </a:xfrm>
+          <a:prstGeom prst="rect">
+            <a:avLst/>
+          </a:prstGeom>
+          <a:noFill/>
+        </p:spPr>
+        <p:txBody>
+          <a:bodyPr wrap="square" rtlCol="0">
+            <a:spAutoFit/>
+          </a:bodyPr>
+          <a:lstStyle/>
+          <a:p>
+            <a:r>
+              <a:rPr lang="es-PE" dirty="0"/>
+              <a:t>Estos prototipos muestran el avance que  tendríamos sobre las ventas y el pago , el interfaz que manejaría para la buena interacción con el usuario.</a:t>
+            </a:r>
+          </a:p>
+        </p:txBody>
+      </p:sp>
+    </p:spTree>
+    <p:extLst>
+      <p:ext uri="{BB962C8B-B14F-4D97-AF65-F5344CB8AC3E}">
+        <p14:creationId xmlns:p14="http://schemas.microsoft.com/office/powerpoint/2010/main" val="3037437231"/>
+      </p:ext>
+    </p:extLst>
+  </p:cSld>
+  <p:clrMapOvr>
+    <a:masterClrMapping/>
+  </p:clrMapOvr>
+</p:sld>
+</file>
+
+<file path=ppt/slides/slide17.xml><?xml version="1.0" encoding="utf-8"?>
+<p:sld xmlns:a="http://schemas.openxmlformats.org/drawingml/2006/main" xmlns:r="http://schemas.openxmlformats.org/officeDocument/2006/relationships" xmlns:p="http://schemas.openxmlformats.org/presentationml/2006/main">
+  <p:cSld>
+    <p:spTree>
+      <p:nvGrpSpPr>
+        <p:cNvPr id="1" name=""/>
+        <p:cNvGrpSpPr/>
+        <p:nvPr/>
+      </p:nvGrpSpPr>
+      <p:grpSpPr>
+        <a:xfrm>
+          <a:off x="0" y="0"/>
+          <a:ext cx="0" cy="0"/>
+          <a:chOff x="0" y="0"/>
+          <a:chExt cx="0" cy="0"/>
+        </a:xfrm>
+      </p:grpSpPr>
+      <p:sp>
+        <p:nvSpPr>
+          <p:cNvPr id="2" name="1 Título"/>
+          <p:cNvSpPr>
+            <a:spLocks noGrp="1"/>
+          </p:cNvSpPr>
+          <p:nvPr>
+            <p:ph type="title"/>
+          </p:nvPr>
+        </p:nvSpPr>
+        <p:spPr/>
+        <p:txBody>
+          <a:bodyPr>
+            <a:normAutofit fontScale="90000"/>
+          </a:bodyPr>
+          <a:lstStyle/>
+          <a:p>
+            <a:r>
+              <a:rPr lang="es-PE" dirty="0"/>
               <a:t>Pruebas realizadas </a:t>
             </a:r>
             <a:br>
@@ -5870,7 +5963,7 @@
 </p:sld>
 </file>
 
-<file path=ppt/slides/slide17.xml><?xml version="1.0" encoding="utf-8"?>
+<file path=ppt/slides/slide18.xml><?xml version="1.0" encoding="utf-8"?>
 <p:sld xmlns:a="http://schemas.openxmlformats.org/drawingml/2006/main" xmlns:r="http://schemas.openxmlformats.org/officeDocument/2006/relationships" xmlns:p="http://schemas.openxmlformats.org/presentationml/2006/main">
   <p:cSld>
     <p:spTree>
